--- a/Presentation/05-HOL-Azure AD Applications.pptx
+++ b/Presentation/05-HOL-Azure AD Applications.pptx
@@ -303,7 +303,7 @@
               <a:rPr lang="en-US" smtClean="0">
                 <a:latin typeface="Segoe UI" pitchFamily="34" charset="0"/>
               </a:rPr>
-              <a:t>5/31/2017 10:12 PM</a:t>
+              <a:t>6/3/2017 10:49 PM</a:t>
             </a:fld>
             <a:endParaRPr lang="en-US" dirty="0">
               <a:latin typeface="Segoe UI" pitchFamily="34" charset="0"/>
@@ -581,7 +581,7 @@
           <a:p>
             <a:fld id="{5A9E72A3-73C3-4EC0-976B-555052BC0BC2}" type="datetime8">
               <a:rPr lang="en-US" smtClean="0"/>
-              <a:t>5/31/2017 10:12 PM</a:t>
+              <a:t>6/3/2017 10:48 PM</a:t>
             </a:fld>
             <a:endParaRPr lang="en-US" dirty="0"/>
           </a:p>
@@ -910,7 +910,7 @@
           <a:p>
             <a:fld id="{506EF3E9-8989-41CF-8301-C50DFCD1A107}" type="datetime8">
               <a:rPr lang="en-US" smtClean="0"/>
-              <a:t>5/31/2017 10:12 PM</a:t>
+              <a:t>6/3/2017 10:48 PM</a:t>
             </a:fld>
             <a:endParaRPr lang="en-US" dirty="0"/>
           </a:p>
@@ -1116,7 +1116,7 @@
           <a:p>
             <a:fld id="{38EEC551-8CDA-4EB6-89BB-2A86C9F091C8}" type="datetime8">
               <a:rPr lang="en-US" smtClean="0"/>
-              <a:t>5/31/2017 10:15 PM</a:t>
+              <a:t>6/3/2017 10:48 PM</a:t>
             </a:fld>
             <a:endParaRPr lang="en-US" dirty="0"/>
           </a:p>
@@ -1485,7 +1485,7 @@
                 <a:tabLst/>
                 <a:defRPr/>
               </a:pPr>
-              <a:t>5/31/2017 10:15 PM</a:t>
+              <a:t>6/3/2017 10:48 PM</a:t>
             </a:fld>
             <a:endParaRPr kumimoji="0" lang="en-US" sz="1200" b="0" i="0" u="none" strike="noStrike" kern="1200" cap="none" spc="0" normalizeH="0" baseline="0" noProof="0" dirty="0">
               <a:ln>
@@ -1838,7 +1838,7 @@
                 <a:tabLst/>
                 <a:defRPr/>
               </a:pPr>
-              <a:t>5/31/2017 10:15 PM</a:t>
+              <a:t>6/3/2017 10:48 PM</a:t>
             </a:fld>
             <a:endParaRPr kumimoji="0" lang="en-US" sz="1200" b="0" i="0" u="none" strike="noStrike" kern="1200" cap="none" spc="0" normalizeH="0" baseline="0" noProof="0" dirty="0">
               <a:ln>
@@ -2191,7 +2191,7 @@
                 <a:tabLst/>
                 <a:defRPr/>
               </a:pPr>
-              <a:t>5/31/2017 10:15 PM</a:t>
+              <a:t>6/3/2017 10:48 PM</a:t>
             </a:fld>
             <a:endParaRPr kumimoji="0" lang="en-US" sz="1200" b="0" i="0" u="none" strike="noStrike" kern="1200" cap="none" spc="0" normalizeH="0" baseline="0" noProof="0" dirty="0">
               <a:ln>
@@ -2390,7 +2390,7 @@
           <a:p>
             <a:fld id="{59D4D20F-D2F3-4A37-A728-453B5251BCF9}" type="datetime8">
               <a:rPr lang="en-US" smtClean="0"/>
-              <a:t>5/31/2017 10:12 PM</a:t>
+              <a:t>6/3/2017 10:48 PM</a:t>
             </a:fld>
             <a:endParaRPr lang="en-US" dirty="0"/>
           </a:p>
@@ -2578,7 +2578,7 @@
                   <a:prstClr val="black"/>
                 </a:solidFill>
               </a:rPr>
-              <a:t>5/31/2017 10:12 PM</a:t>
+              <a:t>6/3/2017 10:48 PM</a:t>
             </a:fld>
             <a:endParaRPr lang="en-US" dirty="0">
               <a:solidFill>
@@ -18036,7 +18036,7 @@
         <p:spPr>
           <a:xfrm>
             <a:off x="274638" y="1212850"/>
-            <a:ext cx="11887200" cy="3447098"/>
+            <a:ext cx="11887200" cy="4462760"/>
           </a:xfrm>
         </p:spPr>
         <p:txBody>
@@ -18067,7 +18067,31 @@
             </a:r>
           </a:p>
           <a:p>
-            <a:endParaRPr lang="en-US" dirty="0"/>
+            <a:r>
+              <a:rPr lang="en-US" dirty="0"/>
+              <a:t>Different libraries for different endpoints</a:t>
+            </a:r>
+          </a:p>
+          <a:p>
+            <a:pPr lvl="1"/>
+            <a:r>
+              <a:rPr lang="en-US" dirty="0"/>
+              <a:t>MSAL – 2.0</a:t>
+            </a:r>
+          </a:p>
+          <a:p>
+            <a:pPr lvl="1"/>
+            <a:r>
+              <a:rPr lang="en-US" dirty="0"/>
+              <a:t>ADAL – 1.0</a:t>
+            </a:r>
+          </a:p>
+          <a:p>
+            <a:pPr lvl="1"/>
+            <a:r>
+              <a:rPr lang="en-US" dirty="0"/>
+              <a:t>Microsoft Graph – 2.0</a:t>
+            </a:r>
           </a:p>
         </p:txBody>
       </p:sp>
@@ -18295,7 +18319,7 @@
         <p:spPr>
           <a:xfrm>
             <a:off x="274638" y="1212850"/>
-            <a:ext cx="11887200" cy="2769989"/>
+            <a:ext cx="11887200" cy="1415772"/>
           </a:xfrm>
         </p:spPr>
         <p:txBody>
@@ -18312,15 +18336,6 @@
               <a:rPr lang="en-US" dirty="0"/>
               <a:t>Language/framework specific guidance</a:t>
             </a:r>
-          </a:p>
-          <a:p>
-            <a:r>
-              <a:rPr lang="en-US" dirty="0"/>
-              <a:t>Add login buttons</a:t>
-            </a:r>
-          </a:p>
-          <a:p>
-            <a:endParaRPr lang="en-US" dirty="0"/>
           </a:p>
         </p:txBody>
       </p:sp>
@@ -18413,7 +18428,7 @@
             </a:pPr>
             <a:r>
               <a:rPr lang="en-US" dirty="0"/>
-              <a:t>Add the required libraries</a:t>
+              <a:t>Add the required libraries to your solution</a:t>
             </a:r>
           </a:p>
           <a:p>
@@ -18827,11 +18842,13 @@
         <p:spPr>
           <a:xfrm>
             <a:off x="275481" y="1212851"/>
-            <a:ext cx="6000601" cy="2711604"/>
+            <a:ext cx="6000601" cy="2979139"/>
           </a:xfrm>
         </p:spPr>
         <p:txBody>
-          <a:bodyPr/>
+          <a:bodyPr>
+            <a:normAutofit lnSpcReduction="10000"/>
+          </a:bodyPr>
           <a:lstStyle/>
           <a:p>
             <a:r>
@@ -18840,21 +18857,30 @@
             </a:r>
           </a:p>
           <a:p>
-            <a:pPr lvl="1"/>
+            <a:pPr marL="457200" lvl="1" indent="-457200">
+              <a:buFont typeface="+mj-lt"/>
+              <a:buAutoNum type="arabicPeriod"/>
+            </a:pPr>
             <a:r>
               <a:rPr lang="en-US" dirty="0"/>
-              <a:t>Create Graph 1.0 AAD Applications from Classic </a:t>
-            </a:r>
-          </a:p>
-          <a:p>
-            <a:pPr lvl="1"/>
+              <a:t>Create Graph 1.0 AAD Applications in Azure Classic </a:t>
+            </a:r>
+          </a:p>
+          <a:p>
+            <a:pPr marL="457200" lvl="1" indent="-457200">
+              <a:buFont typeface="+mj-lt"/>
+              <a:buAutoNum type="arabicPeriod"/>
+            </a:pPr>
             <a:r>
               <a:rPr lang="en-US" dirty="0"/>
-              <a:t>Create Graph 1.0 New Ibiza portal (preview)</a:t>
-            </a:r>
-          </a:p>
-          <a:p>
-            <a:pPr lvl="1"/>
+              <a:t>Create Graph 1.0 AAD Applications in New Azure portal</a:t>
+            </a:r>
+          </a:p>
+          <a:p>
+            <a:pPr marL="457200" lvl="1" indent="-457200">
+              <a:buFont typeface="+mj-lt"/>
+              <a:buAutoNum type="arabicPeriod"/>
+            </a:pPr>
             <a:r>
               <a:rPr lang="en-US" dirty="0"/>
               <a:t>Create Graph 2.0 Applications on apps.dev.microsoft.com</a:t>
